--- a/desarrollo_web.pptx
+++ b/desarrollo_web.pptx
@@ -11,6 +11,7 @@
     <p:sldId id="259" r:id="rId5"/>
     <p:sldId id="260" r:id="rId6"/>
     <p:sldId id="261" r:id="rId7"/>
+    <p:sldId id="262" r:id="rId8"/>
   </p:sldIdLst>
   <p:sldSz cx="12192000" cy="6858000"/>
   <p:notesSz cx="6858000" cy="9144000"/>
@@ -109,6 +110,11 @@
       </a:defRPr>
     </a:lvl9pPr>
   </p:defaultTextStyle>
+  <p:extLst>
+    <p:ext uri="{EFAFB233-063F-42B5-8137-9DF3F51BA10A}">
+      <p15:sldGuideLst xmlns:p15="http://schemas.microsoft.com/office/powerpoint/2012/main"/>
+    </p:ext>
+  </p:extLst>
 </p:presentation>
 </file>
 
@@ -1324,7 +1330,7 @@
             <a:fld id="{9334D819-9F07-4261-B09B-9E467E5D9002}" type="datetimeFigureOut">
               <a:rPr lang="en-US" dirty="0"/>
               <a:pPr/>
-              <a:t>11/5/2024</a:t>
+              <a:t>11/8/2024</a:t>
             </a:fld>
             <a:endParaRPr lang="en-US" dirty="0"/>
           </a:p>
@@ -1558,7 +1564,7 @@
           <a:p>
             <a:fld id="{9334D819-9F07-4261-B09B-9E467E5D9002}" type="datetimeFigureOut">
               <a:rPr lang="en-US" dirty="0"/>
-              <a:t>11/5/2024</a:t>
+              <a:t>11/8/2024</a:t>
             </a:fld>
             <a:endParaRPr lang="en-US" dirty="0"/>
           </a:p>
@@ -1733,7 +1739,7 @@
           <a:p>
             <a:fld id="{9334D819-9F07-4261-B09B-9E467E5D9002}" type="datetimeFigureOut">
               <a:rPr lang="en-US" dirty="0"/>
-              <a:t>11/5/2024</a:t>
+              <a:t>11/8/2024</a:t>
             </a:fld>
             <a:endParaRPr lang="en-US" dirty="0"/>
           </a:p>
@@ -1898,7 +1904,7 @@
           <a:p>
             <a:fld id="{9334D819-9F07-4261-B09B-9E467E5D9002}" type="datetimeFigureOut">
               <a:rPr lang="en-US" dirty="0"/>
-              <a:t>11/5/2024</a:t>
+              <a:t>11/8/2024</a:t>
             </a:fld>
             <a:endParaRPr lang="en-US" dirty="0"/>
           </a:p>
@@ -2167,7 +2173,7 @@
             <a:fld id="{9334D819-9F07-4261-B09B-9E467E5D9002}" type="datetimeFigureOut">
               <a:rPr lang="en-US" dirty="0"/>
               <a:pPr/>
-              <a:t>11/5/2024</a:t>
+              <a:t>11/8/2024</a:t>
             </a:fld>
             <a:endParaRPr lang="en-US" dirty="0"/>
           </a:p>
@@ -3364,7 +3370,7 @@
           <a:p>
             <a:fld id="{9334D819-9F07-4261-B09B-9E467E5D9002}" type="datetimeFigureOut">
               <a:rPr lang="en-US" dirty="0"/>
-              <a:t>11/5/2024</a:t>
+              <a:t>11/8/2024</a:t>
             </a:fld>
             <a:endParaRPr lang="en-US" dirty="0"/>
           </a:p>
@@ -3749,7 +3755,7 @@
           <a:p>
             <a:fld id="{9334D819-9F07-4261-B09B-9E467E5D9002}" type="datetimeFigureOut">
               <a:rPr lang="en-US" dirty="0"/>
-              <a:t>11/5/2024</a:t>
+              <a:t>11/8/2024</a:t>
             </a:fld>
             <a:endParaRPr lang="en-US" dirty="0"/>
           </a:p>
@@ -3867,7 +3873,7 @@
           <a:p>
             <a:fld id="{9334D819-9F07-4261-B09B-9E467E5D9002}" type="datetimeFigureOut">
               <a:rPr lang="en-US" dirty="0"/>
-              <a:t>11/5/2024</a:t>
+              <a:t>11/8/2024</a:t>
             </a:fld>
             <a:endParaRPr lang="en-US" dirty="0"/>
           </a:p>
@@ -3957,7 +3963,7 @@
           <a:p>
             <a:fld id="{9334D819-9F07-4261-B09B-9E467E5D9002}" type="datetimeFigureOut">
               <a:rPr lang="en-US" dirty="0"/>
-              <a:t>11/5/2024</a:t>
+              <a:t>11/8/2024</a:t>
             </a:fld>
             <a:endParaRPr lang="en-US" dirty="0"/>
           </a:p>
@@ -4715,7 +4721,7 @@
           <a:p>
             <a:fld id="{9334D819-9F07-4261-B09B-9E467E5D9002}" type="datetimeFigureOut">
               <a:rPr lang="en-US" dirty="0"/>
-              <a:t>11/5/2024</a:t>
+              <a:t>11/8/2024</a:t>
             </a:fld>
             <a:endParaRPr lang="en-US" dirty="0"/>
           </a:p>
@@ -5550,7 +5556,7 @@
           <a:p>
             <a:fld id="{9334D819-9F07-4261-B09B-9E467E5D9002}" type="datetimeFigureOut">
               <a:rPr lang="en-US" dirty="0"/>
-              <a:t>11/5/2024</a:t>
+              <a:t>11/8/2024</a:t>
             </a:fld>
             <a:endParaRPr lang="en-US" dirty="0"/>
           </a:p>
@@ -5773,7 +5779,7 @@
             <a:fld id="{9334D819-9F07-4261-B09B-9E467E5D9002}" type="datetimeFigureOut">
               <a:rPr lang="en-US" dirty="0"/>
               <a:pPr/>
-              <a:t>11/5/2024</a:t>
+              <a:t>11/8/2024</a:t>
             </a:fld>
             <a:endParaRPr lang="en-US" dirty="0"/>
           </a:p>
@@ -8269,6 +8275,131 @@
 </p:sld>
 </file>
 
+<file path=ppt/slides/slide7.xml><?xml version="1.0" encoding="utf-8"?>
+<p:sld xmlns:a="http://schemas.openxmlformats.org/drawingml/2006/main" xmlns:r="http://schemas.openxmlformats.org/officeDocument/2006/relationships" xmlns:p="http://schemas.openxmlformats.org/presentationml/2006/main">
+  <p:cSld>
+    <p:spTree>
+      <p:nvGrpSpPr>
+        <p:cNvPr id="1" name=""/>
+        <p:cNvGrpSpPr/>
+        <p:nvPr/>
+      </p:nvGrpSpPr>
+      <p:grpSpPr>
+        <a:xfrm>
+          <a:off x="0" y="0"/>
+          <a:ext cx="0" cy="0"/>
+          <a:chOff x="0" y="0"/>
+          <a:chExt cx="0" cy="0"/>
+        </a:xfrm>
+      </p:grpSpPr>
+      <p:sp>
+        <p:nvSpPr>
+          <p:cNvPr id="2" name="Título 1"/>
+          <p:cNvSpPr>
+            <a:spLocks noGrp="1"/>
+          </p:cNvSpPr>
+          <p:nvPr>
+            <p:ph type="title"/>
+          </p:nvPr>
+        </p:nvSpPr>
+        <p:spPr/>
+        <p:txBody>
+          <a:bodyPr/>
+          <a:lstStyle/>
+          <a:p>
+            <a:r>
+              <a:rPr lang="es-ES" dirty="0" smtClean="0"/>
+              <a:t>Links, re direccionamiento, imágenes</a:t>
+            </a:r>
+            <a:endParaRPr lang="es-BO" dirty="0"/>
+          </a:p>
+        </p:txBody>
+      </p:sp>
+      <p:pic>
+        <p:nvPicPr>
+          <p:cNvPr id="4" name="Imagen 3"/>
+          <p:cNvPicPr>
+            <a:picLocks noChangeAspect="1"/>
+          </p:cNvPicPr>
+          <p:nvPr/>
+        </p:nvPicPr>
+        <p:blipFill>
+          <a:blip r:embed="rId2"/>
+          <a:stretch>
+            <a:fillRect/>
+          </a:stretch>
+        </p:blipFill>
+        <p:spPr>
+          <a:xfrm>
+            <a:off x="1251678" y="3297036"/>
+            <a:ext cx="10162711" cy="1858709"/>
+          </a:xfrm>
+          <a:prstGeom prst="rect">
+            <a:avLst/>
+          </a:prstGeom>
+        </p:spPr>
+      </p:pic>
+      <p:sp>
+        <p:nvSpPr>
+          <p:cNvPr id="5" name="Rectángulo redondeado 4"/>
+          <p:cNvSpPr/>
+          <p:nvPr/>
+        </p:nvSpPr>
+        <p:spPr>
+          <a:xfrm>
+            <a:off x="2121708" y="3899290"/>
+            <a:ext cx="431805" cy="327100"/>
+          </a:xfrm>
+          <a:prstGeom prst="roundRect">
+            <a:avLst/>
+          </a:prstGeom>
+          <a:noFill/>
+          <a:ln w="9525" cap="flat" cmpd="sng" algn="ctr">
+            <a:solidFill>
+              <a:schemeClr val="accent1"/>
+            </a:solidFill>
+            <a:prstDash val="solid"/>
+            <a:round/>
+            <a:headEnd type="none" w="med" len="med"/>
+            <a:tailEnd type="none" w="med" len="med"/>
+          </a:ln>
+        </p:spPr>
+        <p:style>
+          <a:lnRef idx="0">
+            <a:scrgbClr r="0" g="0" b="0"/>
+          </a:lnRef>
+          <a:fillRef idx="0">
+            <a:scrgbClr r="0" g="0" b="0"/>
+          </a:fillRef>
+          <a:effectRef idx="0">
+            <a:scrgbClr r="0" g="0" b="0"/>
+          </a:effectRef>
+          <a:fontRef idx="minor">
+            <a:schemeClr val="accent1"/>
+          </a:fontRef>
+        </p:style>
+        <p:txBody>
+          <a:bodyPr rtlCol="0" anchor="ctr"/>
+          <a:lstStyle/>
+          <a:p>
+            <a:pPr algn="ctr"/>
+            <a:endParaRPr lang="es-BO"/>
+          </a:p>
+        </p:txBody>
+      </p:sp>
+    </p:spTree>
+    <p:extLst>
+      <p:ext uri="{BB962C8B-B14F-4D97-AF65-F5344CB8AC3E}">
+        <p14:creationId xmlns:p14="http://schemas.microsoft.com/office/powerpoint/2010/main" val="3457795954"/>
+      </p:ext>
+    </p:extLst>
+  </p:cSld>
+  <p:clrMapOvr>
+    <a:masterClrMapping/>
+  </p:clrMapOvr>
+</p:sld>
+</file>
+
 <file path=ppt/theme/theme1.xml><?xml version="1.0" encoding="utf-8"?>
 <a:theme xmlns:a="http://schemas.openxmlformats.org/drawingml/2006/main" name="Badge">
   <a:themeElements>
